--- a/Prezentare_IC.pptx
+++ b/Prezentare_IC.pptx
@@ -220,7 +220,7 @@
             <a:pPr rtl="0"/>
             <a:fld id="{6E6F8D38-63B6-4ACB-82FF-2B2DBA23A7ED}" type="datetime1">
               <a:rPr lang="ro-RO" smtClean="0"/>
-              <a:t>29.05.2023</a:t>
+              <a:t>30.05.2023</a:t>
             </a:fld>
             <a:endParaRPr lang="en-US" dirty="0"/>
           </a:p>
@@ -390,7 +390,7 @@
             <a:pPr rtl="0"/>
             <a:fld id="{AC421010-5B13-48A7-B1FE-BFAB3CC2110B}" type="datetime1">
               <a:rPr lang="ro-RO" smtClean="0"/>
-              <a:t>29.05.2023</a:t>
+              <a:t>30.05.2023</a:t>
             </a:fld>
             <a:endParaRPr lang="en-US"/>
           </a:p>
@@ -910,7 +910,7 @@
             <a:pPr rtl="0"/>
             <a:fld id="{CE466E40-9FFF-45F7-B14A-0CFDBD9C1342}" type="datetime1">
               <a:rPr lang="ro-RO" smtClean="0"/>
-              <a:t>29.05.2023</a:t>
+              <a:t>30.05.2023</a:t>
             </a:fld>
             <a:endParaRPr lang="en-US" dirty="0"/>
           </a:p>
@@ -1110,7 +1110,7 @@
             <a:pPr rtl="0"/>
             <a:fld id="{BC9E583C-2495-4A3C-BE07-CB3A24518A29}" type="datetime1">
               <a:rPr lang="ro-RO" smtClean="0"/>
-              <a:t>29.05.2023</a:t>
+              <a:t>30.05.2023</a:t>
             </a:fld>
             <a:endParaRPr lang="en-US" dirty="0"/>
           </a:p>
@@ -1362,7 +1362,7 @@
             <a:pPr rtl="0"/>
             <a:fld id="{9DD3790B-C1E0-45A2-971C-F15ECDA2076A}" type="datetime1">
               <a:rPr lang="ro-RO" smtClean="0"/>
-              <a:t>29.05.2023</a:t>
+              <a:t>30.05.2023</a:t>
             </a:fld>
             <a:endParaRPr lang="en-US" dirty="0"/>
           </a:p>
@@ -1563,7 +1563,7 @@
             <a:pPr rtl="0"/>
             <a:fld id="{FA6CF7A8-AC5E-4832-97E1-FE9F0FC0565A}" type="datetime1">
               <a:rPr lang="ro-RO" smtClean="0"/>
-              <a:t>29.05.2023</a:t>
+              <a:t>30.05.2023</a:t>
             </a:fld>
             <a:endParaRPr lang="en-US" dirty="0"/>
           </a:p>
@@ -1940,7 +1940,7 @@
             <a:pPr rtl="0"/>
             <a:fld id="{7295E563-9372-4EAB-9242-E54A9BA32C3B}" type="datetime1">
               <a:rPr lang="ro-RO" smtClean="0"/>
-              <a:t>29.05.2023</a:t>
+              <a:t>30.05.2023</a:t>
             </a:fld>
             <a:endParaRPr lang="en-US" dirty="0"/>
           </a:p>
@@ -2207,7 +2207,7 @@
             <a:pPr rtl="0"/>
             <a:fld id="{17044073-C92A-4D4F-986B-9CDA6CEBE71F}" type="datetime1">
               <a:rPr lang="ro-RO" smtClean="0"/>
-              <a:t>29.05.2023</a:t>
+              <a:t>30.05.2023</a:t>
             </a:fld>
             <a:endParaRPr lang="en-US" dirty="0"/>
           </a:p>
@@ -2608,7 +2608,7 @@
             <a:pPr rtl="0"/>
             <a:fld id="{21E94CF3-4F5A-4D84-A229-D0D4A790B591}" type="datetime1">
               <a:rPr lang="ro-RO" smtClean="0"/>
-              <a:t>29.05.2023</a:t>
+              <a:t>30.05.2023</a:t>
             </a:fld>
             <a:endParaRPr lang="en-US" dirty="0"/>
           </a:p>
@@ -2756,7 +2756,7 @@
             <a:pPr rtl="0"/>
             <a:fld id="{7626BFB8-4795-422A-869A-271619A96EEE}" type="datetime1">
               <a:rPr lang="ro-RO" smtClean="0"/>
-              <a:t>29.05.2023</a:t>
+              <a:t>30.05.2023</a:t>
             </a:fld>
             <a:endParaRPr lang="en-US" dirty="0"/>
           </a:p>
@@ -2916,7 +2916,7 @@
             <a:pPr rtl="0"/>
             <a:fld id="{A770A770-6EAB-4DD2-8F40-9636062867BB}" type="datetime1">
               <a:rPr lang="ro-RO" smtClean="0"/>
-              <a:t>29.05.2023</a:t>
+              <a:t>30.05.2023</a:t>
             </a:fld>
             <a:endParaRPr lang="en-US" dirty="0"/>
           </a:p>
@@ -3249,7 +3249,7 @@
             <a:pPr rtl="0"/>
             <a:fld id="{D650A103-45A2-42BD-8179-A60CCD7FDA29}" type="datetime1">
               <a:rPr lang="ro-RO" smtClean="0"/>
-              <a:t>29.05.2023</a:t>
+              <a:t>30.05.2023</a:t>
             </a:fld>
             <a:endParaRPr lang="en-US" dirty="0"/>
           </a:p>
@@ -3604,7 +3604,7 @@
             <a:pPr rtl="0"/>
             <a:fld id="{71F60373-5127-44FB-BC34-C86DA015266A}" type="datetime1">
               <a:rPr lang="ro-RO" smtClean="0"/>
-              <a:t>29.05.2023</a:t>
+              <a:t>30.05.2023</a:t>
             </a:fld>
             <a:endParaRPr lang="en-US" dirty="0"/>
           </a:p>
@@ -3868,7 +3868,7 @@
             <a:pPr rtl="0"/>
             <a:fld id="{7016D0B4-A224-40F7-AD04-9D490C2EC635}" type="datetime1">
               <a:rPr lang="ro-RO" smtClean="0"/>
-              <a:t>29.05.2023</a:t>
+              <a:t>30.05.2023</a:t>
             </a:fld>
             <a:endParaRPr lang="en-US" dirty="0"/>
           </a:p>
@@ -5354,6 +5354,42 @@
           </a:p>
         </p:txBody>
       </p:sp>
+      <p:pic>
+        <p:nvPicPr>
+          <p:cNvPr id="6" name="Picture 5" descr="A screenshot of a map&#10;&#10;Description automatically generated with medium confidence">
+            <a:extLst>
+              <a:ext uri="{FF2B5EF4-FFF2-40B4-BE49-F238E27FC236}">
+                <a16:creationId xmlns:a16="http://schemas.microsoft.com/office/drawing/2014/main" id="{C7A7D7D5-B152-298C-BDD7-1F25082A3E0F}"/>
+              </a:ext>
+            </a:extLst>
+          </p:cNvPr>
+          <p:cNvPicPr>
+            <a:picLocks noChangeAspect="1"/>
+          </p:cNvPicPr>
+          <p:nvPr/>
+        </p:nvPicPr>
+        <p:blipFill>
+          <a:blip r:embed="rId2">
+            <a:extLst>
+              <a:ext uri="{28A0092B-C50C-407E-A947-70E740481C1C}">
+                <a14:useLocalDpi xmlns:a14="http://schemas.microsoft.com/office/drawing/2010/main" val="0"/>
+              </a:ext>
+            </a:extLst>
+          </a:blip>
+          <a:stretch>
+            <a:fillRect/>
+          </a:stretch>
+        </p:blipFill>
+        <p:spPr>
+          <a:xfrm>
+            <a:off x="851980" y="1018563"/>
+            <a:ext cx="10488039" cy="5348900"/>
+          </a:xfrm>
+          <a:prstGeom prst="rect">
+            <a:avLst/>
+          </a:prstGeom>
+        </p:spPr>
+      </p:pic>
     </p:spTree>
     <p:extLst>
       <p:ext uri="{BB962C8B-B14F-4D97-AF65-F5344CB8AC3E}">
